--- a/06.pptx
+++ b/06.pptx
@@ -294,7 +294,7 @@
             <a:fld id="{E480C506-4C7F-4EB0-ADE1-D99678AFE64B}" type="datetimeFigureOut">
               <a:rPr kumimoji="1" lang="ja-JP" altLang="en-US" smtClean="0"/>
               <a:pPr/>
-              <a:t>2014/5/30</a:t>
+              <a:t>2014/6/6</a:t>
             </a:fld>
             <a:endParaRPr kumimoji="1" lang="ja-JP" altLang="en-US"/>
           </a:p>
@@ -493,7 +493,7 @@
             <a:fld id="{E480C506-4C7F-4EB0-ADE1-D99678AFE64B}" type="datetimeFigureOut">
               <a:rPr kumimoji="1" lang="ja-JP" altLang="en-US" smtClean="0"/>
               <a:pPr/>
-              <a:t>2014/5/30</a:t>
+              <a:t>2014/6/6</a:t>
             </a:fld>
             <a:endParaRPr kumimoji="1" lang="ja-JP" altLang="en-US"/>
           </a:p>
@@ -702,7 +702,7 @@
             <a:fld id="{E480C506-4C7F-4EB0-ADE1-D99678AFE64B}" type="datetimeFigureOut">
               <a:rPr kumimoji="1" lang="ja-JP" altLang="en-US" smtClean="0"/>
               <a:pPr/>
-              <a:t>2014/5/30</a:t>
+              <a:t>2014/6/6</a:t>
             </a:fld>
             <a:endParaRPr kumimoji="1" lang="ja-JP" altLang="en-US"/>
           </a:p>
@@ -901,7 +901,7 @@
             <a:fld id="{E480C506-4C7F-4EB0-ADE1-D99678AFE64B}" type="datetimeFigureOut">
               <a:rPr kumimoji="1" lang="ja-JP" altLang="en-US" smtClean="0"/>
               <a:pPr/>
-              <a:t>2014/5/30</a:t>
+              <a:t>2014/6/6</a:t>
             </a:fld>
             <a:endParaRPr kumimoji="1" lang="ja-JP" altLang="en-US"/>
           </a:p>
@@ -1144,7 +1144,7 @@
             <a:fld id="{E480C506-4C7F-4EB0-ADE1-D99678AFE64B}" type="datetimeFigureOut">
               <a:rPr kumimoji="1" lang="ja-JP" altLang="en-US" smtClean="0"/>
               <a:pPr/>
-              <a:t>2014/5/30</a:t>
+              <a:t>2014/6/6</a:t>
             </a:fld>
             <a:endParaRPr kumimoji="1" lang="ja-JP" altLang="en-US"/>
           </a:p>
@@ -1493,7 +1493,7 @@
             <a:fld id="{E480C506-4C7F-4EB0-ADE1-D99678AFE64B}" type="datetimeFigureOut">
               <a:rPr kumimoji="1" lang="ja-JP" altLang="en-US" smtClean="0"/>
               <a:pPr/>
-              <a:t>2014/5/30</a:t>
+              <a:t>2014/6/6</a:t>
             </a:fld>
             <a:endParaRPr kumimoji="1" lang="ja-JP" altLang="en-US"/>
           </a:p>
@@ -1976,7 +1976,7 @@
             <a:fld id="{E480C506-4C7F-4EB0-ADE1-D99678AFE64B}" type="datetimeFigureOut">
               <a:rPr kumimoji="1" lang="ja-JP" altLang="en-US" smtClean="0"/>
               <a:pPr/>
-              <a:t>2014/5/30</a:t>
+              <a:t>2014/6/6</a:t>
             </a:fld>
             <a:endParaRPr kumimoji="1" lang="ja-JP" altLang="en-US"/>
           </a:p>
@@ -2091,7 +2091,7 @@
             <a:fld id="{E480C506-4C7F-4EB0-ADE1-D99678AFE64B}" type="datetimeFigureOut">
               <a:rPr kumimoji="1" lang="ja-JP" altLang="en-US" smtClean="0"/>
               <a:pPr/>
-              <a:t>2014/5/30</a:t>
+              <a:t>2014/6/6</a:t>
             </a:fld>
             <a:endParaRPr kumimoji="1" lang="ja-JP" altLang="en-US"/>
           </a:p>
@@ -2183,7 +2183,7 @@
             <a:fld id="{E480C506-4C7F-4EB0-ADE1-D99678AFE64B}" type="datetimeFigureOut">
               <a:rPr kumimoji="1" lang="ja-JP" altLang="en-US" smtClean="0"/>
               <a:pPr/>
-              <a:t>2014/5/30</a:t>
+              <a:t>2014/6/6</a:t>
             </a:fld>
             <a:endParaRPr kumimoji="1" lang="ja-JP" altLang="en-US"/>
           </a:p>
@@ -2489,7 +2489,7 @@
             <a:fld id="{E480C506-4C7F-4EB0-ADE1-D99678AFE64B}" type="datetimeFigureOut">
               <a:rPr kumimoji="1" lang="ja-JP" altLang="en-US" smtClean="0"/>
               <a:pPr/>
-              <a:t>2014/5/30</a:t>
+              <a:t>2014/6/6</a:t>
             </a:fld>
             <a:endParaRPr kumimoji="1" lang="ja-JP" altLang="en-US"/>
           </a:p>
@@ -2739,7 +2739,7 @@
             <a:fld id="{E480C506-4C7F-4EB0-ADE1-D99678AFE64B}" type="datetimeFigureOut">
               <a:rPr kumimoji="1" lang="ja-JP" altLang="en-US" smtClean="0"/>
               <a:pPr/>
-              <a:t>2014/5/30</a:t>
+              <a:t>2014/6/6</a:t>
             </a:fld>
             <a:endParaRPr kumimoji="1" lang="ja-JP" altLang="en-US"/>
           </a:p>
@@ -2981,7 +2981,7 @@
             <a:fld id="{E480C506-4C7F-4EB0-ADE1-D99678AFE64B}" type="datetimeFigureOut">
               <a:rPr kumimoji="1" lang="ja-JP" altLang="en-US" smtClean="0"/>
               <a:pPr/>
-              <a:t>2014/5/30</a:t>
+              <a:t>2014/6/6</a:t>
             </a:fld>
             <a:endParaRPr kumimoji="1" lang="ja-JP" altLang="en-US"/>
           </a:p>
@@ -3691,47 +3691,33 @@
                 <a:latin typeface="Consolas" pitchFamily="49" charset="0"/>
                 <a:cs typeface="Consolas" pitchFamily="49" charset="0"/>
               </a:rPr>
-              <a:t> </a:t>
+              <a:t>    case </a:t>
+            </a:r>
+            <a:r>
+              <a:rPr lang="ja-JP" altLang="en-US" dirty="0" smtClean="0">
+                <a:latin typeface="Consolas" pitchFamily="49" charset="0"/>
+                <a:cs typeface="Consolas" pitchFamily="49" charset="0"/>
+              </a:rPr>
+              <a:t>値</a:t>
             </a:r>
             <a:r>
               <a:rPr lang="en-US" altLang="ja-JP" dirty="0" smtClean="0">
                 <a:latin typeface="Consolas" pitchFamily="49" charset="0"/>
                 <a:cs typeface="Consolas" pitchFamily="49" charset="0"/>
               </a:rPr>
-              <a:t>   case </a:t>
-            </a:r>
-            <a:r>
-              <a:rPr lang="ja-JP" altLang="en-US" dirty="0" smtClean="0">
-                <a:latin typeface="Consolas" pitchFamily="49" charset="0"/>
-                <a:cs typeface="Consolas" pitchFamily="49" charset="0"/>
-              </a:rPr>
-              <a:t>値</a:t>
-            </a:r>
+              <a:t>1:</a:t>
+            </a:r>
+          </a:p>
+          <a:p>
+            <a:pPr>
+              <a:buNone/>
+            </a:pPr>
             <a:r>
               <a:rPr lang="en-US" altLang="ja-JP" dirty="0" smtClean="0">
                 <a:latin typeface="Consolas" pitchFamily="49" charset="0"/>
                 <a:cs typeface="Consolas" pitchFamily="49" charset="0"/>
               </a:rPr>
-              <a:t>1:</a:t>
-            </a:r>
-          </a:p>
-          <a:p>
-            <a:pPr>
-              <a:buNone/>
-            </a:pPr>
-            <a:r>
-              <a:rPr lang="en-US" altLang="ja-JP" dirty="0" smtClean="0">
-                <a:latin typeface="Consolas" pitchFamily="49" charset="0"/>
-                <a:cs typeface="Consolas" pitchFamily="49" charset="0"/>
-              </a:rPr>
-              <a:t> </a:t>
-            </a:r>
-            <a:r>
-              <a:rPr lang="en-US" altLang="ja-JP" dirty="0" smtClean="0">
-                <a:latin typeface="Consolas" pitchFamily="49" charset="0"/>
-                <a:cs typeface="Consolas" pitchFamily="49" charset="0"/>
-              </a:rPr>
-              <a:t>       // </a:t>
+              <a:t>        // </a:t>
             </a:r>
             <a:r>
               <a:rPr lang="ja-JP" altLang="en-US" dirty="0" smtClean="0">
@@ -3775,14 +3761,33 @@
                 <a:latin typeface="Consolas" pitchFamily="49" charset="0"/>
                 <a:cs typeface="Consolas" pitchFamily="49" charset="0"/>
               </a:rPr>
-              <a:t> </a:t>
-            </a:r>
+              <a:t>        break;</a:t>
+            </a:r>
+          </a:p>
+          <a:p>
+            <a:pPr>
+              <a:buNone/>
+            </a:pPr>
             <a:r>
               <a:rPr lang="en-US" altLang="ja-JP" dirty="0" smtClean="0">
                 <a:latin typeface="Consolas" pitchFamily="49" charset="0"/>
                 <a:cs typeface="Consolas" pitchFamily="49" charset="0"/>
               </a:rPr>
-              <a:t>       break;</a:t>
+              <a:t>    case </a:t>
+            </a:r>
+            <a:r>
+              <a:rPr lang="ja-JP" altLang="en-US" dirty="0" smtClean="0">
+                <a:latin typeface="Consolas" pitchFamily="49" charset="0"/>
+                <a:cs typeface="Consolas" pitchFamily="49" charset="0"/>
+              </a:rPr>
+              <a:t>値</a:t>
+            </a:r>
+            <a:r>
+              <a:rPr lang="en-US" altLang="ja-JP" dirty="0" smtClean="0">
+                <a:latin typeface="Consolas" pitchFamily="49" charset="0"/>
+                <a:cs typeface="Consolas" pitchFamily="49" charset="0"/>
+              </a:rPr>
+              <a:t>2:</a:t>
             </a:r>
           </a:p>
           <a:p>
@@ -3794,47 +3799,7 @@
                 <a:latin typeface="Consolas" pitchFamily="49" charset="0"/>
                 <a:cs typeface="Consolas" pitchFamily="49" charset="0"/>
               </a:rPr>
-              <a:t> </a:t>
-            </a:r>
-            <a:r>
-              <a:rPr lang="en-US" altLang="ja-JP" dirty="0" smtClean="0">
-                <a:latin typeface="Consolas" pitchFamily="49" charset="0"/>
-                <a:cs typeface="Consolas" pitchFamily="49" charset="0"/>
-              </a:rPr>
-              <a:t>   case </a:t>
-            </a:r>
-            <a:r>
-              <a:rPr lang="ja-JP" altLang="en-US" dirty="0" smtClean="0">
-                <a:latin typeface="Consolas" pitchFamily="49" charset="0"/>
-                <a:cs typeface="Consolas" pitchFamily="49" charset="0"/>
-              </a:rPr>
-              <a:t>値</a:t>
-            </a:r>
-            <a:r>
-              <a:rPr lang="en-US" altLang="ja-JP" dirty="0" smtClean="0">
-                <a:latin typeface="Consolas" pitchFamily="49" charset="0"/>
-                <a:cs typeface="Consolas" pitchFamily="49" charset="0"/>
-              </a:rPr>
-              <a:t>2:</a:t>
-            </a:r>
-          </a:p>
-          <a:p>
-            <a:pPr>
-              <a:buNone/>
-            </a:pPr>
-            <a:r>
-              <a:rPr lang="en-US" altLang="ja-JP" dirty="0" smtClean="0">
-                <a:latin typeface="Consolas" pitchFamily="49" charset="0"/>
-                <a:cs typeface="Consolas" pitchFamily="49" charset="0"/>
-              </a:rPr>
-              <a:t> </a:t>
-            </a:r>
-            <a:r>
-              <a:rPr lang="en-US" altLang="ja-JP" dirty="0" smtClean="0">
-                <a:latin typeface="Consolas" pitchFamily="49" charset="0"/>
-                <a:cs typeface="Consolas" pitchFamily="49" charset="0"/>
-              </a:rPr>
-              <a:t>       // </a:t>
+              <a:t>        // </a:t>
             </a:r>
             <a:r>
               <a:rPr lang="ja-JP" altLang="en-US" dirty="0" smtClean="0">
@@ -3878,14 +3843,19 @@
                 <a:latin typeface="Consolas" pitchFamily="49" charset="0"/>
                 <a:cs typeface="Consolas" pitchFamily="49" charset="0"/>
               </a:rPr>
-              <a:t> </a:t>
-            </a:r>
+              <a:t>        break;</a:t>
+            </a:r>
+          </a:p>
+          <a:p>
+            <a:pPr>
+              <a:buNone/>
+            </a:pPr>
             <a:r>
               <a:rPr lang="en-US" altLang="ja-JP" dirty="0" smtClean="0">
                 <a:latin typeface="Consolas" pitchFamily="49" charset="0"/>
                 <a:cs typeface="Consolas" pitchFamily="49" charset="0"/>
               </a:rPr>
-              <a:t>       break;</a:t>
+              <a:t>    // :</a:t>
             </a:r>
           </a:p>
           <a:p>
@@ -3897,52 +3867,19 @@
                 <a:latin typeface="Consolas" pitchFamily="49" charset="0"/>
                 <a:cs typeface="Consolas" pitchFamily="49" charset="0"/>
               </a:rPr>
-              <a:t> </a:t>
-            </a:r>
+              <a:t>    default:</a:t>
+            </a:r>
+          </a:p>
+          <a:p>
+            <a:pPr>
+              <a:buNone/>
+            </a:pPr>
             <a:r>
               <a:rPr lang="en-US" altLang="ja-JP" dirty="0" smtClean="0">
                 <a:latin typeface="Consolas" pitchFamily="49" charset="0"/>
                 <a:cs typeface="Consolas" pitchFamily="49" charset="0"/>
               </a:rPr>
-              <a:t>   // :</a:t>
-            </a:r>
-          </a:p>
-          <a:p>
-            <a:pPr>
-              <a:buNone/>
-            </a:pPr>
-            <a:r>
-              <a:rPr lang="en-US" altLang="ja-JP" dirty="0" smtClean="0">
-                <a:latin typeface="Consolas" pitchFamily="49" charset="0"/>
-                <a:cs typeface="Consolas" pitchFamily="49" charset="0"/>
-              </a:rPr>
-              <a:t> </a:t>
-            </a:r>
-            <a:r>
-              <a:rPr lang="en-US" altLang="ja-JP" dirty="0" smtClean="0">
-                <a:latin typeface="Consolas" pitchFamily="49" charset="0"/>
-                <a:cs typeface="Consolas" pitchFamily="49" charset="0"/>
-              </a:rPr>
-              <a:t>   default:</a:t>
-            </a:r>
-          </a:p>
-          <a:p>
-            <a:pPr>
-              <a:buNone/>
-            </a:pPr>
-            <a:r>
-              <a:rPr lang="en-US" altLang="ja-JP" dirty="0" smtClean="0">
-                <a:latin typeface="Consolas" pitchFamily="49" charset="0"/>
-                <a:cs typeface="Consolas" pitchFamily="49" charset="0"/>
-              </a:rPr>
-              <a:t> </a:t>
-            </a:r>
-            <a:r>
-              <a:rPr lang="en-US" altLang="ja-JP" dirty="0" smtClean="0">
-                <a:latin typeface="Consolas" pitchFamily="49" charset="0"/>
-                <a:cs typeface="Consolas" pitchFamily="49" charset="0"/>
-              </a:rPr>
-              <a:t>       // case</a:t>
+              <a:t>        // case</a:t>
             </a:r>
             <a:r>
               <a:rPr lang="ja-JP" altLang="en-US" dirty="0" smtClean="0">
@@ -3965,14 +3902,7 @@
                 <a:latin typeface="Consolas" pitchFamily="49" charset="0"/>
                 <a:cs typeface="Consolas" pitchFamily="49" charset="0"/>
               </a:rPr>
-              <a:t> </a:t>
-            </a:r>
-            <a:r>
-              <a:rPr lang="en-US" altLang="ja-JP" dirty="0" smtClean="0">
-                <a:latin typeface="Consolas" pitchFamily="49" charset="0"/>
-                <a:cs typeface="Consolas" pitchFamily="49" charset="0"/>
-              </a:rPr>
-              <a:t>       break;</a:t>
+              <a:t>        break;</a:t>
             </a:r>
           </a:p>
           <a:p>
@@ -4277,14 +4207,7 @@
                 <a:latin typeface="Consolas" pitchFamily="49" charset="0"/>
                 <a:cs typeface="Consolas" pitchFamily="49" charset="0"/>
               </a:rPr>
-              <a:t>何</a:t>
-            </a:r>
-            <a:r>
-              <a:rPr kumimoji="1" lang="ja-JP" altLang="en-US" dirty="0" smtClean="0">
-                <a:latin typeface="Consolas" pitchFamily="49" charset="0"/>
-                <a:cs typeface="Consolas" pitchFamily="49" charset="0"/>
-              </a:rPr>
-              <a:t>か表示されたら</a:t>
+              <a:t>何か表示されたら</a:t>
             </a:r>
             <a:r>
               <a:rPr kumimoji="1" lang="en-US" altLang="ja-JP" dirty="0" smtClean="0">
@@ -5152,11 +5075,7 @@
             <a:pPr algn="ctr"/>
             <a:r>
               <a:rPr lang="en-US" altLang="ja-JP" dirty="0" err="1" smtClean="0"/>
-              <a:t>t</a:t>
-            </a:r>
-            <a:r>
-              <a:rPr lang="en-US" altLang="ja-JP" dirty="0" err="1" smtClean="0"/>
-              <a:t>anakaedu</a:t>
+              <a:t>tanakaedu</a:t>
             </a:r>
             <a:endParaRPr lang="en-US" altLang="ja-JP" dirty="0" smtClean="0"/>
           </a:p>
@@ -5347,15 +5266,12 @@
       <p:cxnSp>
         <p:nvCxnSpPr>
           <p:cNvPr id="12" name="直線矢印コネクタ 11"/>
-          <p:cNvCxnSpPr>
-            <a:stCxn id="8" idx="3"/>
-            <a:endCxn id="10" idx="1"/>
-          </p:cNvCxnSpPr>
+          <p:cNvCxnSpPr/>
           <p:nvPr/>
         </p:nvCxnSpPr>
         <p:spPr>
           <a:xfrm>
-            <a:off x="3347864" y="2420888"/>
+            <a:off x="3347864" y="2204864"/>
             <a:ext cx="1728192" cy="0"/>
           </a:xfrm>
           <a:prstGeom prst="straightConnector1">
@@ -5366,13 +5282,13 @@
           </a:ln>
         </p:spPr>
         <p:style>
-          <a:lnRef idx="1">
+          <a:lnRef idx="3">
             <a:schemeClr val="accent1"/>
           </a:lnRef>
           <a:fillRef idx="0">
             <a:schemeClr val="accent1"/>
           </a:fillRef>
-          <a:effectRef idx="0">
+          <a:effectRef idx="2">
             <a:schemeClr val="accent1"/>
           </a:effectRef>
           <a:fontRef idx="minor">
@@ -5388,7 +5304,7 @@
         </p:nvSpPr>
         <p:spPr>
           <a:xfrm>
-            <a:off x="3923928" y="1988840"/>
+            <a:off x="3923928" y="1844824"/>
             <a:ext cx="593496" cy="369332"/>
           </a:xfrm>
           <a:prstGeom prst="rect">
@@ -5403,10 +5319,18 @@
           <a:lstStyle/>
           <a:p>
             <a:r>
-              <a:rPr kumimoji="1" lang="en-US" altLang="ja-JP" dirty="0" smtClean="0"/>
+              <a:rPr kumimoji="1" lang="en-US" altLang="ja-JP" dirty="0" smtClean="0">
+                <a:solidFill>
+                  <a:schemeClr val="tx2"/>
+                </a:solidFill>
+              </a:rPr>
               <a:t>Fork</a:t>
             </a:r>
-            <a:endParaRPr kumimoji="1" lang="ja-JP" altLang="en-US" dirty="0"/>
+            <a:endParaRPr kumimoji="1" lang="ja-JP" altLang="en-US" dirty="0">
+              <a:solidFill>
+                <a:schemeClr val="tx2"/>
+              </a:solidFill>
+            </a:endParaRPr>
           </a:p>
         </p:txBody>
       </p:sp>
@@ -5499,8 +5423,8 @@
         </p:nvSpPr>
         <p:spPr>
           <a:xfrm>
-            <a:off x="5148064" y="5085184"/>
-            <a:ext cx="2016224" cy="720080"/>
+            <a:off x="1259632" y="5085184"/>
+            <a:ext cx="5976664" cy="720080"/>
           </a:xfrm>
           <a:prstGeom prst="roundRect">
             <a:avLst/>
@@ -5548,14 +5472,13 @@
           <p:cNvPr id="17" name="直線矢印コネクタ 16"/>
           <p:cNvCxnSpPr>
             <a:stCxn id="10" idx="2"/>
-            <a:endCxn id="15" idx="0"/>
           </p:cNvCxnSpPr>
           <p:nvPr/>
         </p:nvCxnSpPr>
         <p:spPr>
           <a:xfrm>
             <a:off x="6084168" y="2780928"/>
-            <a:ext cx="72008" cy="2304256"/>
+            <a:ext cx="0" cy="2304256"/>
           </a:xfrm>
           <a:prstGeom prst="straightConnector1">
             <a:avLst/>
@@ -5621,7 +5544,7 @@
         </p:nvSpPr>
         <p:spPr>
           <a:xfrm>
-            <a:off x="6516216" y="3429000"/>
+            <a:off x="6516216" y="4653136"/>
             <a:ext cx="2160240" cy="369332"/>
           </a:xfrm>
           <a:prstGeom prst="rect">
@@ -5636,16 +5559,6 @@
           <a:lstStyle/>
           <a:p>
             <a:r>
-              <a:rPr lang="en-US" altLang="ja-JP" dirty="0" smtClean="0">
-                <a:solidFill>
-                  <a:schemeClr val="accent2">
-                    <a:lumMod val="50000"/>
-                  </a:schemeClr>
-                </a:solidFill>
-              </a:rPr>
-              <a:t>Merge</a:t>
-            </a:r>
-            <a:r>
               <a:rPr kumimoji="1" lang="en-US" altLang="ja-JP" dirty="0" smtClean="0">
                 <a:solidFill>
                   <a:schemeClr val="accent2">
@@ -5653,17 +5566,17 @@
                   </a:schemeClr>
                 </a:solidFill>
               </a:rPr>
-              <a:t>(</a:t>
-            </a:r>
-            <a:r>
-              <a:rPr lang="ja-JP" altLang="en-US" dirty="0" smtClean="0">
+              <a:t>Pull(</a:t>
+            </a:r>
+            <a:r>
+              <a:rPr kumimoji="1" lang="ja-JP" altLang="en-US" dirty="0" smtClean="0">
                 <a:solidFill>
                   <a:schemeClr val="accent2">
                     <a:lumMod val="50000"/>
                   </a:schemeClr>
                 </a:solidFill>
               </a:rPr>
-              <a:t>データ結合</a:t>
+              <a:t>データ取得</a:t>
             </a:r>
             <a:r>
               <a:rPr kumimoji="1" lang="en-US" altLang="ja-JP" dirty="0" smtClean="0">
@@ -5693,7 +5606,7 @@
         </p:nvSpPr>
         <p:spPr>
           <a:xfrm>
-            <a:off x="3275856" y="3429000"/>
+            <a:off x="3563888" y="3356992"/>
             <a:ext cx="2952328" cy="369332"/>
           </a:xfrm>
           <a:prstGeom prst="rect">
@@ -5820,6 +5733,343 @@
           </a:fontRef>
         </p:style>
       </p:cxnSp>
+      <p:sp>
+        <p:nvSpPr>
+          <p:cNvPr id="18" name="テキスト ボックス 17"/>
+          <p:cNvSpPr txBox="1"/>
+          <p:nvPr/>
+        </p:nvSpPr>
+        <p:spPr>
+          <a:xfrm>
+            <a:off x="2987824" y="4365104"/>
+            <a:ext cx="2160240" cy="646331"/>
+          </a:xfrm>
+          <a:prstGeom prst="rect">
+            <a:avLst/>
+          </a:prstGeom>
+          <a:noFill/>
+        </p:spPr>
+        <p:txBody>
+          <a:bodyPr wrap="square" rtlCol="0">
+            <a:spAutoFit/>
+          </a:bodyPr>
+          <a:lstStyle/>
+          <a:p>
+            <a:r>
+              <a:rPr lang="ja-JP" altLang="en-US" dirty="0" smtClean="0">
+                <a:solidFill>
+                  <a:schemeClr val="accent2">
+                    <a:lumMod val="50000"/>
+                  </a:schemeClr>
+                </a:solidFill>
+              </a:rPr>
+              <a:t>他のリポジトリから</a:t>
+            </a:r>
+            <a:endParaRPr lang="en-US" altLang="ja-JP" dirty="0" smtClean="0">
+              <a:solidFill>
+                <a:schemeClr val="accent2">
+                  <a:lumMod val="50000"/>
+                </a:schemeClr>
+              </a:solidFill>
+            </a:endParaRPr>
+          </a:p>
+          <a:p>
+            <a:r>
+              <a:rPr lang="en-US" altLang="ja-JP" dirty="0" smtClean="0">
+                <a:solidFill>
+                  <a:schemeClr val="accent2">
+                    <a:lumMod val="50000"/>
+                  </a:schemeClr>
+                </a:solidFill>
+              </a:rPr>
+              <a:t>Merge</a:t>
+            </a:r>
+            <a:r>
+              <a:rPr kumimoji="1" lang="en-US" altLang="ja-JP" dirty="0" smtClean="0">
+                <a:solidFill>
+                  <a:schemeClr val="accent2">
+                    <a:lumMod val="50000"/>
+                  </a:schemeClr>
+                </a:solidFill>
+              </a:rPr>
+              <a:t>(</a:t>
+            </a:r>
+            <a:r>
+              <a:rPr lang="ja-JP" altLang="en-US" dirty="0" smtClean="0">
+                <a:solidFill>
+                  <a:schemeClr val="accent2">
+                    <a:lumMod val="50000"/>
+                  </a:schemeClr>
+                </a:solidFill>
+              </a:rPr>
+              <a:t>データ結合</a:t>
+            </a:r>
+            <a:r>
+              <a:rPr kumimoji="1" lang="en-US" altLang="ja-JP" dirty="0" smtClean="0">
+                <a:solidFill>
+                  <a:schemeClr val="accent2">
+                    <a:lumMod val="50000"/>
+                  </a:schemeClr>
+                </a:solidFill>
+              </a:rPr>
+              <a:t>)</a:t>
+            </a:r>
+            <a:endParaRPr kumimoji="1" lang="ja-JP" altLang="en-US" dirty="0">
+              <a:solidFill>
+                <a:schemeClr val="accent2">
+                  <a:lumMod val="50000"/>
+                </a:schemeClr>
+              </a:solidFill>
+            </a:endParaRPr>
+          </a:p>
+        </p:txBody>
+      </p:sp>
+      <p:cxnSp>
+        <p:nvCxnSpPr>
+          <p:cNvPr id="19" name="直線矢印コネクタ 18"/>
+          <p:cNvCxnSpPr/>
+          <p:nvPr/>
+        </p:nvCxnSpPr>
+        <p:spPr>
+          <a:xfrm>
+            <a:off x="2843808" y="2780928"/>
+            <a:ext cx="0" cy="2376264"/>
+          </a:xfrm>
+          <a:prstGeom prst="straightConnector1">
+            <a:avLst/>
+          </a:prstGeom>
+          <a:ln>
+            <a:tailEnd type="arrow"/>
+          </a:ln>
+        </p:spPr>
+        <p:style>
+          <a:lnRef idx="3">
+            <a:schemeClr val="accent2"/>
+          </a:lnRef>
+          <a:fillRef idx="0">
+            <a:schemeClr val="accent2"/>
+          </a:fillRef>
+          <a:effectRef idx="2">
+            <a:schemeClr val="accent2"/>
+          </a:effectRef>
+          <a:fontRef idx="minor">
+            <a:schemeClr val="tx1"/>
+          </a:fontRef>
+        </p:style>
+      </p:cxnSp>
+      <p:cxnSp>
+        <p:nvCxnSpPr>
+          <p:cNvPr id="27" name="直線矢印コネクタ 26"/>
+          <p:cNvCxnSpPr/>
+          <p:nvPr/>
+        </p:nvCxnSpPr>
+        <p:spPr>
+          <a:xfrm flipV="1">
+            <a:off x="1907704" y="2852936"/>
+            <a:ext cx="0" cy="2232248"/>
+          </a:xfrm>
+          <a:prstGeom prst="straightConnector1">
+            <a:avLst/>
+          </a:prstGeom>
+          <a:ln>
+            <a:tailEnd type="arrow"/>
+          </a:ln>
+        </p:spPr>
+        <p:style>
+          <a:lnRef idx="3">
+            <a:schemeClr val="accent3"/>
+          </a:lnRef>
+          <a:fillRef idx="0">
+            <a:schemeClr val="accent3"/>
+          </a:fillRef>
+          <a:effectRef idx="2">
+            <a:schemeClr val="accent3"/>
+          </a:effectRef>
+          <a:fontRef idx="minor">
+            <a:schemeClr val="tx1"/>
+          </a:fontRef>
+        </p:style>
+      </p:cxnSp>
+      <p:sp>
+        <p:nvSpPr>
+          <p:cNvPr id="38" name="テキスト ボックス 37"/>
+          <p:cNvSpPr txBox="1"/>
+          <p:nvPr/>
+        </p:nvSpPr>
+        <p:spPr>
+          <a:xfrm>
+            <a:off x="395536" y="2996952"/>
+            <a:ext cx="2520280" cy="646331"/>
+          </a:xfrm>
+          <a:prstGeom prst="rect">
+            <a:avLst/>
+          </a:prstGeom>
+          <a:noFill/>
+        </p:spPr>
+        <p:txBody>
+          <a:bodyPr wrap="square" rtlCol="0">
+            <a:spAutoFit/>
+          </a:bodyPr>
+          <a:lstStyle/>
+          <a:p>
+            <a:r>
+              <a:rPr lang="ja-JP" altLang="en-US" dirty="0" smtClean="0">
+                <a:solidFill>
+                  <a:schemeClr val="accent3">
+                    <a:lumMod val="50000"/>
+                  </a:schemeClr>
+                </a:solidFill>
+              </a:rPr>
+              <a:t>管理権限がない場合、</a:t>
+            </a:r>
+            <a:endParaRPr lang="en-US" altLang="ja-JP" dirty="0" smtClean="0">
+              <a:solidFill>
+                <a:schemeClr val="accent3">
+                  <a:lumMod val="50000"/>
+                </a:schemeClr>
+              </a:solidFill>
+            </a:endParaRPr>
+          </a:p>
+          <a:p>
+            <a:r>
+              <a:rPr kumimoji="1" lang="ja-JP" altLang="en-US" dirty="0" smtClean="0">
+                <a:solidFill>
+                  <a:schemeClr val="accent3">
+                    <a:lumMod val="50000"/>
+                  </a:schemeClr>
+                </a:solidFill>
+              </a:rPr>
+              <a:t>これ</a:t>
+            </a:r>
+            <a:r>
+              <a:rPr kumimoji="1" lang="ja-JP" altLang="en-US" dirty="0" smtClean="0">
+                <a:solidFill>
+                  <a:schemeClr val="accent3">
+                    <a:lumMod val="50000"/>
+                  </a:schemeClr>
+                </a:solidFill>
+              </a:rPr>
+              <a:t>は不可</a:t>
+            </a:r>
+            <a:endParaRPr kumimoji="1" lang="ja-JP" altLang="en-US" dirty="0">
+              <a:solidFill>
+                <a:schemeClr val="accent3">
+                  <a:lumMod val="50000"/>
+                </a:schemeClr>
+              </a:solidFill>
+            </a:endParaRPr>
+          </a:p>
+        </p:txBody>
+      </p:sp>
+      <p:sp>
+        <p:nvSpPr>
+          <p:cNvPr id="39" name="乗算記号 38"/>
+          <p:cNvSpPr/>
+          <p:nvPr/>
+        </p:nvSpPr>
+        <p:spPr>
+          <a:xfrm>
+            <a:off x="1403648" y="3573016"/>
+            <a:ext cx="1008112" cy="864096"/>
+          </a:xfrm>
+          <a:prstGeom prst="mathMultiply">
+            <a:avLst/>
+          </a:prstGeom>
+        </p:spPr>
+        <p:style>
+          <a:lnRef idx="1">
+            <a:schemeClr val="accent2"/>
+          </a:lnRef>
+          <a:fillRef idx="3">
+            <a:schemeClr val="accent2"/>
+          </a:fillRef>
+          <a:effectRef idx="2">
+            <a:schemeClr val="accent2"/>
+          </a:effectRef>
+          <a:fontRef idx="minor">
+            <a:schemeClr val="lt1"/>
+          </a:fontRef>
+        </p:style>
+        <p:txBody>
+          <a:bodyPr rtlCol="0" anchor="ctr"/>
+          <a:lstStyle/>
+          <a:p>
+            <a:pPr algn="ctr"/>
+            <a:endParaRPr kumimoji="1" lang="ja-JP" altLang="en-US"/>
+          </a:p>
+        </p:txBody>
+      </p:sp>
+      <p:cxnSp>
+        <p:nvCxnSpPr>
+          <p:cNvPr id="40" name="直線矢印コネクタ 39"/>
+          <p:cNvCxnSpPr/>
+          <p:nvPr/>
+        </p:nvCxnSpPr>
+        <p:spPr>
+          <a:xfrm flipH="1">
+            <a:off x="3347864" y="2708920"/>
+            <a:ext cx="1728192" cy="0"/>
+          </a:xfrm>
+          <a:prstGeom prst="straightConnector1">
+            <a:avLst/>
+          </a:prstGeom>
+          <a:ln>
+            <a:tailEnd type="arrow"/>
+          </a:ln>
+        </p:spPr>
+        <p:style>
+          <a:lnRef idx="3">
+            <a:schemeClr val="accent4"/>
+          </a:lnRef>
+          <a:fillRef idx="0">
+            <a:schemeClr val="accent4"/>
+          </a:fillRef>
+          <a:effectRef idx="2">
+            <a:schemeClr val="accent4"/>
+          </a:effectRef>
+          <a:fontRef idx="minor">
+            <a:schemeClr val="tx1"/>
+          </a:fontRef>
+        </p:style>
+      </p:cxnSp>
+      <p:sp>
+        <p:nvSpPr>
+          <p:cNvPr id="43" name="テキスト ボックス 42"/>
+          <p:cNvSpPr txBox="1"/>
+          <p:nvPr/>
+        </p:nvSpPr>
+        <p:spPr>
+          <a:xfrm>
+            <a:off x="3563888" y="2420888"/>
+            <a:ext cx="1343445" cy="369332"/>
+          </a:xfrm>
+          <a:prstGeom prst="rect">
+            <a:avLst/>
+          </a:prstGeom>
+          <a:noFill/>
+        </p:spPr>
+        <p:txBody>
+          <a:bodyPr wrap="none" rtlCol="0">
+            <a:spAutoFit/>
+          </a:bodyPr>
+          <a:lstStyle/>
+          <a:p>
+            <a:r>
+              <a:rPr lang="en-US" altLang="ja-JP" dirty="0" smtClean="0">
+                <a:solidFill>
+                  <a:schemeClr val="accent4"/>
+                </a:solidFill>
+              </a:rPr>
+              <a:t>Pull Request</a:t>
+            </a:r>
+            <a:endParaRPr kumimoji="1" lang="ja-JP" altLang="en-US" dirty="0">
+              <a:solidFill>
+                <a:schemeClr val="accent4"/>
+              </a:solidFill>
+            </a:endParaRPr>
+          </a:p>
+        </p:txBody>
+      </p:sp>
     </p:spTree>
   </p:cSld>
   <p:clrMapOvr>
